--- a/Documents/Week1_Project_Design.pptx
+++ b/Documents/Week1_Project_Design.pptx
@@ -247,7 +247,7 @@
           <a:p>
             <a:fld id="{CB1F0FD9-2A43-7A4D-B709-29FC8A3F6E2B}" type="datetimeFigureOut">
               <a:rPr lang="en-US" smtClean="0"/>
-              <a:t>11/4/15</a:t>
+              <a:t>11/7/15</a:t>
             </a:fld>
             <a:endParaRPr lang="en-US"/>
           </a:p>
@@ -417,7 +417,7 @@
           <a:p>
             <a:fld id="{CB1F0FD9-2A43-7A4D-B709-29FC8A3F6E2B}" type="datetimeFigureOut">
               <a:rPr lang="en-US" smtClean="0"/>
-              <a:t>11/4/15</a:t>
+              <a:t>11/7/15</a:t>
             </a:fld>
             <a:endParaRPr lang="en-US"/>
           </a:p>
@@ -597,7 +597,7 @@
           <a:p>
             <a:fld id="{CB1F0FD9-2A43-7A4D-B709-29FC8A3F6E2B}" type="datetimeFigureOut">
               <a:rPr lang="en-US" smtClean="0"/>
-              <a:t>11/4/15</a:t>
+              <a:t>11/7/15</a:t>
             </a:fld>
             <a:endParaRPr lang="en-US"/>
           </a:p>
@@ -767,7 +767,7 @@
           <a:p>
             <a:fld id="{CB1F0FD9-2A43-7A4D-B709-29FC8A3F6E2B}" type="datetimeFigureOut">
               <a:rPr lang="en-US" smtClean="0"/>
-              <a:t>11/4/15</a:t>
+              <a:t>11/7/15</a:t>
             </a:fld>
             <a:endParaRPr lang="en-US"/>
           </a:p>
@@ -1013,7 +1013,7 @@
           <a:p>
             <a:fld id="{CB1F0FD9-2A43-7A4D-B709-29FC8A3F6E2B}" type="datetimeFigureOut">
               <a:rPr lang="en-US" smtClean="0"/>
-              <a:t>11/4/15</a:t>
+              <a:t>11/7/15</a:t>
             </a:fld>
             <a:endParaRPr lang="en-US"/>
           </a:p>
@@ -1245,7 +1245,7 @@
           <a:p>
             <a:fld id="{CB1F0FD9-2A43-7A4D-B709-29FC8A3F6E2B}" type="datetimeFigureOut">
               <a:rPr lang="en-US" smtClean="0"/>
-              <a:t>11/4/15</a:t>
+              <a:t>11/7/15</a:t>
             </a:fld>
             <a:endParaRPr lang="en-US"/>
           </a:p>
@@ -1612,7 +1612,7 @@
           <a:p>
             <a:fld id="{CB1F0FD9-2A43-7A4D-B709-29FC8A3F6E2B}" type="datetimeFigureOut">
               <a:rPr lang="en-US" smtClean="0"/>
-              <a:t>11/4/15</a:t>
+              <a:t>11/7/15</a:t>
             </a:fld>
             <a:endParaRPr lang="en-US"/>
           </a:p>
@@ -1730,7 +1730,7 @@
           <a:p>
             <a:fld id="{CB1F0FD9-2A43-7A4D-B709-29FC8A3F6E2B}" type="datetimeFigureOut">
               <a:rPr lang="en-US" smtClean="0"/>
-              <a:t>11/4/15</a:t>
+              <a:t>11/7/15</a:t>
             </a:fld>
             <a:endParaRPr lang="en-US"/>
           </a:p>
@@ -1825,7 +1825,7 @@
           <a:p>
             <a:fld id="{CB1F0FD9-2A43-7A4D-B709-29FC8A3F6E2B}" type="datetimeFigureOut">
               <a:rPr lang="en-US" smtClean="0"/>
-              <a:t>11/4/15</a:t>
+              <a:t>11/7/15</a:t>
             </a:fld>
             <a:endParaRPr lang="en-US"/>
           </a:p>
@@ -2102,7 +2102,7 @@
           <a:p>
             <a:fld id="{CB1F0FD9-2A43-7A4D-B709-29FC8A3F6E2B}" type="datetimeFigureOut">
               <a:rPr lang="en-US" smtClean="0"/>
-              <a:t>11/4/15</a:t>
+              <a:t>11/7/15</a:t>
             </a:fld>
             <a:endParaRPr lang="en-US"/>
           </a:p>
@@ -2355,7 +2355,7 @@
           <a:p>
             <a:fld id="{CB1F0FD9-2A43-7A4D-B709-29FC8A3F6E2B}" type="datetimeFigureOut">
               <a:rPr lang="en-US" smtClean="0"/>
-              <a:t>11/4/15</a:t>
+              <a:t>11/7/15</a:t>
             </a:fld>
             <a:endParaRPr lang="en-US"/>
           </a:p>
@@ -2568,7 +2568,7 @@
           <a:p>
             <a:fld id="{CB1F0FD9-2A43-7A4D-B709-29FC8A3F6E2B}" type="datetimeFigureOut">
               <a:rPr lang="en-US" smtClean="0"/>
-              <a:t>11/4/15</a:t>
+              <a:t>11/7/15</a:t>
             </a:fld>
             <a:endParaRPr lang="en-US"/>
           </a:p>
@@ -2990,11 +2990,7 @@
           <a:p>
             <a:r>
               <a:rPr lang="en-US" dirty="0" smtClean="0"/>
-              <a:t>Week 1 </a:t>
-            </a:r>
-            <a:r>
-              <a:rPr lang="en-US" dirty="0" smtClean="0"/>
-              <a:t>Project Design</a:t>
+              <a:t>Week 1 Project Design</a:t>
             </a:r>
             <a:endParaRPr lang="en-US" dirty="0"/>
           </a:p>
@@ -4210,8 +4206,12 @@
           <a:lstStyle/>
           <a:p>
             <a:r>
-              <a:rPr lang="en-US" dirty="0" smtClean="0"/>
-              <a:t>Card Dealer</a:t>
+              <a:rPr lang="en-US" smtClean="0"/>
+              <a:t>Card </a:t>
+            </a:r>
+            <a:r>
+              <a:rPr lang="en-US" smtClean="0"/>
+              <a:t>Dealer (Singleton)</a:t>
             </a:r>
             <a:endParaRPr lang="en-US" dirty="0"/>
           </a:p>
